--- a/Presentation.pptx
+++ b/Presentation.pptx
@@ -5,17 +5,18 @@
     <p:sldMasterId id="2147483648" r:id="rId1"/>
   </p:sldMasterIdLst>
   <p:notesMasterIdLst>
-    <p:notesMasterId r:id="rId10"/>
+    <p:notesMasterId r:id="rId11"/>
   </p:notesMasterIdLst>
   <p:sldIdLst>
     <p:sldId id="258" r:id="rId2"/>
     <p:sldId id="259" r:id="rId3"/>
-    <p:sldId id="263" r:id="rId4"/>
-    <p:sldId id="261" r:id="rId5"/>
+    <p:sldId id="266" r:id="rId4"/>
+    <p:sldId id="263" r:id="rId5"/>
     <p:sldId id="262" r:id="rId6"/>
     <p:sldId id="264" r:id="rId7"/>
     <p:sldId id="265" r:id="rId8"/>
-    <p:sldId id="260" r:id="rId9"/>
+    <p:sldId id="267" r:id="rId9"/>
+    <p:sldId id="260" r:id="rId10"/>
   </p:sldIdLst>
   <p:sldSz cx="12192000" cy="6858000"/>
   <p:notesSz cx="6858000" cy="9144000"/>
@@ -204,7 +205,7 @@
           <a:p>
             <a:fld id="{9680C88E-044D-874A-964A-051A5D6BA292}" type="datetimeFigureOut">
               <a:rPr lang="en-US" smtClean="0"/>
-              <a:t>3/9/2020</a:t>
+              <a:t>3/10/2020</a:t>
             </a:fld>
             <a:endParaRPr lang="en-US"/>
           </a:p>
@@ -505,7 +506,7 @@
           <a:p>
             <a:fld id="{5B1A5403-222D-F646-806A-D888BEFCE30F}" type="datetimeFigureOut">
               <a:rPr lang="en-US" smtClean="0"/>
-              <a:t>3/9/2020</a:t>
+              <a:t>3/10/2020</a:t>
             </a:fld>
             <a:endParaRPr lang="en-US"/>
           </a:p>
@@ -936,7 +937,7 @@
           <a:p>
             <a:fld id="{5B1A5403-222D-F646-806A-D888BEFCE30F}" type="datetimeFigureOut">
               <a:rPr lang="en-US" smtClean="0"/>
-              <a:t>3/9/2020</a:t>
+              <a:t>3/10/2020</a:t>
             </a:fld>
             <a:endParaRPr lang="en-US"/>
           </a:p>
@@ -1104,7 +1105,7 @@
           <a:p>
             <a:fld id="{5B1A5403-222D-F646-806A-D888BEFCE30F}" type="datetimeFigureOut">
               <a:rPr lang="en-US" smtClean="0"/>
-              <a:t>3/9/2020</a:t>
+              <a:t>3/10/2020</a:t>
             </a:fld>
             <a:endParaRPr lang="en-US"/>
           </a:p>
@@ -1282,7 +1283,7 @@
           <a:p>
             <a:fld id="{5B1A5403-222D-F646-806A-D888BEFCE30F}" type="datetimeFigureOut">
               <a:rPr lang="en-US" smtClean="0"/>
-              <a:t>3/9/2020</a:t>
+              <a:t>3/10/2020</a:t>
             </a:fld>
             <a:endParaRPr lang="en-US"/>
           </a:p>
@@ -1377,7 +1378,7 @@
           <a:p>
             <a:fld id="{5B1A5403-222D-F646-806A-D888BEFCE30F}" type="datetimeFigureOut">
               <a:rPr lang="en-US" smtClean="0"/>
-              <a:t>3/9/2020</a:t>
+              <a:t>3/10/2020</a:t>
             </a:fld>
             <a:endParaRPr lang="en-US"/>
           </a:p>
@@ -1751,7 +1752,7 @@
           <a:p>
             <a:fld id="{5B1A5403-222D-F646-806A-D888BEFCE30F}" type="datetimeFigureOut">
               <a:rPr lang="en-US" smtClean="0"/>
-              <a:t>3/9/2020</a:t>
+              <a:t>3/10/2020</a:t>
             </a:fld>
             <a:endParaRPr lang="en-US"/>
           </a:p>
@@ -1914,7 +1915,7 @@
           <a:p>
             <a:fld id="{5B1A5403-222D-F646-806A-D888BEFCE30F}" type="datetimeFigureOut">
               <a:rPr lang="en-US" smtClean="0"/>
-              <a:t>3/9/2020</a:t>
+              <a:t>3/10/2020</a:t>
             </a:fld>
             <a:endParaRPr lang="en-US"/>
           </a:p>
@@ -2159,7 +2160,7 @@
           <a:p>
             <a:fld id="{5B1A5403-222D-F646-806A-D888BEFCE30F}" type="datetimeFigureOut">
               <a:rPr lang="en-US" smtClean="0"/>
-              <a:t>3/9/2020</a:t>
+              <a:t>3/10/2020</a:t>
             </a:fld>
             <a:endParaRPr lang="en-US"/>
           </a:p>
@@ -2388,7 +2389,7 @@
           <a:p>
             <a:fld id="{5B1A5403-222D-F646-806A-D888BEFCE30F}" type="datetimeFigureOut">
               <a:rPr lang="en-US" smtClean="0"/>
-              <a:t>3/9/2020</a:t>
+              <a:t>3/10/2020</a:t>
             </a:fld>
             <a:endParaRPr lang="en-US"/>
           </a:p>
@@ -2752,7 +2753,7 @@
           <a:p>
             <a:fld id="{5B1A5403-222D-F646-806A-D888BEFCE30F}" type="datetimeFigureOut">
               <a:rPr lang="en-US" smtClean="0"/>
-              <a:t>3/9/2020</a:t>
+              <a:t>3/10/2020</a:t>
             </a:fld>
             <a:endParaRPr lang="en-US"/>
           </a:p>
@@ -2869,7 +2870,7 @@
           <a:p>
             <a:fld id="{5B1A5403-222D-F646-806A-D888BEFCE30F}" type="datetimeFigureOut">
               <a:rPr lang="en-US" smtClean="0"/>
-              <a:t>3/9/2020</a:t>
+              <a:t>3/10/2020</a:t>
             </a:fld>
             <a:endParaRPr lang="en-US"/>
           </a:p>
@@ -2964,7 +2965,7 @@
           <a:p>
             <a:fld id="{5B1A5403-222D-F646-806A-D888BEFCE30F}" type="datetimeFigureOut">
               <a:rPr lang="en-US" smtClean="0"/>
-              <a:t>3/9/2020</a:t>
+              <a:t>3/10/2020</a:t>
             </a:fld>
             <a:endParaRPr lang="en-US"/>
           </a:p>
@@ -3239,7 +3240,7 @@
           <a:p>
             <a:fld id="{5B1A5403-222D-F646-806A-D888BEFCE30F}" type="datetimeFigureOut">
               <a:rPr lang="en-US" smtClean="0"/>
-              <a:t>3/9/2020</a:t>
+              <a:t>3/10/2020</a:t>
             </a:fld>
             <a:endParaRPr lang="en-US"/>
           </a:p>
@@ -3450,7 +3451,7 @@
           <a:p>
             <a:fld id="{5B1A5403-222D-F646-806A-D888BEFCE30F}" type="datetimeFigureOut">
               <a:rPr lang="en-US" smtClean="0"/>
-              <a:t>3/9/2020</a:t>
+              <a:t>3/10/2020</a:t>
             </a:fld>
             <a:endParaRPr lang="en-US"/>
           </a:p>
@@ -3982,7 +3983,7 @@
           <a:p>
             <a:r>
               <a:rPr lang="en-US" dirty="0" err="1"/>
-              <a:t>Necesario</a:t>
+              <a:t>Introducción</a:t>
             </a:r>
             <a:endParaRPr lang="en-US" dirty="0"/>
           </a:p>
@@ -4000,18 +4001,205 @@
         </p:nvSpPr>
         <p:spPr/>
         <p:txBody>
-          <a:bodyPr/>
+          <a:bodyPr>
+            <a:normAutofit fontScale="85000" lnSpcReduction="20000"/>
+          </a:bodyPr>
           <a:lstStyle/>
           <a:p>
             <a:r>
               <a:rPr lang="en-US" dirty="0"/>
-              <a:t>Visual Studio 2019 Preview (Community)</a:t>
-            </a:r>
-          </a:p>
-          <a:p>
+              <a:t>¿</a:t>
+            </a:r>
+            <a:r>
+              <a:rPr lang="en-US" dirty="0" err="1"/>
+              <a:t>Qué</a:t>
+            </a:r>
             <a:r>
               <a:rPr lang="en-US" dirty="0"/>
-              <a:t>.NET Core 3.1 or later (Preview) SDK</a:t>
+              <a:t> es?</a:t>
+            </a:r>
+          </a:p>
+          <a:p>
+            <a:pPr lvl="1"/>
+            <a:r>
+              <a:rPr lang="en-US" dirty="0"/>
+              <a:t>Un nuevo </a:t>
+            </a:r>
+            <a:r>
+              <a:rPr lang="en-US" dirty="0" err="1"/>
+              <a:t>estándar</a:t>
+            </a:r>
+            <a:r>
+              <a:rPr lang="en-US" dirty="0"/>
+              <a:t> para browsers</a:t>
+            </a:r>
+          </a:p>
+          <a:p>
+            <a:pPr lvl="1"/>
+            <a:r>
+              <a:rPr lang="en-US" dirty="0"/>
+              <a:t>WASM+HTML+CSS+JS</a:t>
+            </a:r>
+          </a:p>
+          <a:p>
+            <a:pPr lvl="1"/>
+            <a:r>
+              <a:rPr lang="en-US" dirty="0"/>
+              <a:t>Y </a:t>
+            </a:r>
+            <a:r>
+              <a:rPr lang="en-US" dirty="0" err="1"/>
+              <a:t>dónde</a:t>
+            </a:r>
+            <a:r>
+              <a:rPr lang="en-US" dirty="0"/>
+              <a:t> </a:t>
+            </a:r>
+            <a:r>
+              <a:rPr lang="en-US" dirty="0" err="1"/>
+              <a:t>queda</a:t>
+            </a:r>
+            <a:r>
+              <a:rPr lang="en-US" dirty="0"/>
+              <a:t> JS?</a:t>
+            </a:r>
+          </a:p>
+          <a:p>
+            <a:r>
+              <a:rPr lang="en-US" dirty="0" err="1"/>
+              <a:t>Ventajas</a:t>
+            </a:r>
+            <a:endParaRPr lang="en-US" dirty="0"/>
+          </a:p>
+          <a:p>
+            <a:pPr lvl="1"/>
+            <a:r>
+              <a:rPr lang="en-US" dirty="0"/>
+              <a:t>Extender </a:t>
+            </a:r>
+            <a:r>
+              <a:rPr lang="en-US" dirty="0" err="1"/>
+              <a:t>funcionalidades</a:t>
+            </a:r>
+            <a:endParaRPr lang="en-US" dirty="0"/>
+          </a:p>
+          <a:p>
+            <a:pPr lvl="1"/>
+            <a:r>
+              <a:rPr lang="en-US" dirty="0" err="1"/>
+              <a:t>Capacidad</a:t>
+            </a:r>
+            <a:r>
+              <a:rPr lang="en-US" dirty="0"/>
+              <a:t> de </a:t>
+            </a:r>
+            <a:r>
+              <a:rPr lang="en-US" dirty="0" err="1"/>
+              <a:t>separación</a:t>
+            </a:r>
+            <a:endParaRPr lang="en-US" dirty="0"/>
+          </a:p>
+          <a:p>
+            <a:pPr lvl="1"/>
+            <a:r>
+              <a:rPr lang="en-US" dirty="0"/>
+              <a:t>Proyectos </a:t>
+            </a:r>
+            <a:r>
+              <a:rPr lang="en-US" dirty="0" err="1"/>
+              <a:t>estructurados</a:t>
+            </a:r>
+            <a:endParaRPr lang="en-US" dirty="0"/>
+          </a:p>
+          <a:p>
+            <a:pPr lvl="1"/>
+            <a:r>
+              <a:rPr lang="en-US" dirty="0"/>
+              <a:t>Código </a:t>
+            </a:r>
+            <a:r>
+              <a:rPr lang="en-US" dirty="0" err="1"/>
+              <a:t>compilado</a:t>
+            </a:r>
+            <a:endParaRPr lang="en-US" dirty="0"/>
+          </a:p>
+          <a:p>
+            <a:r>
+              <a:rPr lang="en-US" dirty="0" err="1"/>
+              <a:t>Desventajas</a:t>
+            </a:r>
+            <a:endParaRPr lang="en-US" dirty="0"/>
+          </a:p>
+          <a:p>
+            <a:pPr lvl="1"/>
+            <a:r>
+              <a:rPr lang="en-US" dirty="0"/>
+              <a:t>VM (mono runtime)</a:t>
+            </a:r>
+          </a:p>
+          <a:p>
+            <a:pPr lvl="1"/>
+            <a:r>
+              <a:rPr lang="en-US" dirty="0"/>
+              <a:t>GC</a:t>
+            </a:r>
+          </a:p>
+          <a:p>
+            <a:pPr lvl="1"/>
+            <a:r>
+              <a:rPr lang="en-US" dirty="0" err="1"/>
+              <a:t>Tamaño</a:t>
+            </a:r>
+            <a:r>
+              <a:rPr lang="en-US" dirty="0"/>
+              <a:t> de </a:t>
+            </a:r>
+            <a:r>
+              <a:rPr lang="en-US" dirty="0" err="1"/>
+              <a:t>descargas</a:t>
+            </a:r>
+            <a:r>
+              <a:rPr lang="en-US" dirty="0"/>
+              <a:t>? (linker </a:t>
+            </a:r>
+            <a:r>
+              <a:rPr lang="en-US" dirty="0" err="1"/>
+              <a:t>limitado</a:t>
+            </a:r>
+            <a:r>
+              <a:rPr lang="en-US" dirty="0"/>
+              <a:t> por el </a:t>
+            </a:r>
+            <a:r>
+              <a:rPr lang="en-US" dirty="0" err="1"/>
+              <a:t>momento</a:t>
+            </a:r>
+            <a:r>
+              <a:rPr lang="en-US" dirty="0"/>
+              <a:t>)</a:t>
+            </a:r>
+          </a:p>
+          <a:p>
+            <a:pPr lvl="1"/>
+            <a:r>
+              <a:rPr lang="en-US" dirty="0"/>
+              <a:t>Debugging </a:t>
+            </a:r>
+            <a:r>
+              <a:rPr lang="en-US" dirty="0" err="1"/>
+              <a:t>limitado</a:t>
+            </a:r>
+            <a:r>
+              <a:rPr lang="en-US" dirty="0"/>
+              <a:t> (por el </a:t>
+            </a:r>
+            <a:r>
+              <a:rPr lang="en-US" dirty="0" err="1"/>
+              <a:t>momento</a:t>
+            </a:r>
+            <a:r>
+              <a:rPr lang="en-US" dirty="0"/>
+              <a:t>)</a:t>
             </a:r>
           </a:p>
         </p:txBody>
@@ -4030,6 +4218,87 @@
 </file>
 
 <file path=ppt/slides/slide3.xml><?xml version="1.0" encoding="utf-8"?>
+<p:sld xmlns:a="http://schemas.openxmlformats.org/drawingml/2006/main" xmlns:r="http://schemas.openxmlformats.org/officeDocument/2006/relationships" xmlns:p="http://schemas.openxmlformats.org/presentationml/2006/main">
+  <p:cSld>
+    <p:spTree>
+      <p:nvGrpSpPr>
+        <p:cNvPr id="1" name=""/>
+        <p:cNvGrpSpPr/>
+        <p:nvPr/>
+      </p:nvGrpSpPr>
+      <p:grpSpPr>
+        <a:xfrm>
+          <a:off x="0" y="0"/>
+          <a:ext cx="0" cy="0"/>
+          <a:chOff x="0" y="0"/>
+          <a:chExt cx="0" cy="0"/>
+        </a:xfrm>
+      </p:grpSpPr>
+      <p:sp>
+        <p:nvSpPr>
+          <p:cNvPr id="2" name="Title 1"/>
+          <p:cNvSpPr>
+            <a:spLocks noGrp="1"/>
+          </p:cNvSpPr>
+          <p:nvPr>
+            <p:ph type="title"/>
+          </p:nvPr>
+        </p:nvSpPr>
+        <p:spPr/>
+        <p:txBody>
+          <a:bodyPr/>
+          <a:lstStyle/>
+          <a:p>
+            <a:r>
+              <a:rPr lang="en-US" dirty="0" err="1"/>
+              <a:t>Necesario</a:t>
+            </a:r>
+            <a:endParaRPr lang="en-US" dirty="0"/>
+          </a:p>
+        </p:txBody>
+      </p:sp>
+      <p:sp>
+        <p:nvSpPr>
+          <p:cNvPr id="3" name="Content Placeholder 2"/>
+          <p:cNvSpPr>
+            <a:spLocks noGrp="1"/>
+          </p:cNvSpPr>
+          <p:nvPr>
+            <p:ph idx="1"/>
+          </p:nvPr>
+        </p:nvSpPr>
+        <p:spPr/>
+        <p:txBody>
+          <a:bodyPr/>
+          <a:lstStyle/>
+          <a:p>
+            <a:r>
+              <a:rPr lang="en-US" dirty="0"/>
+              <a:t>Visual Studio 2019 Preview (Community)</a:t>
+            </a:r>
+          </a:p>
+          <a:p>
+            <a:r>
+              <a:rPr lang="en-US" dirty="0"/>
+              <a:t>.NET Core 3.1 or later (Preview) SDK</a:t>
+            </a:r>
+          </a:p>
+        </p:txBody>
+      </p:sp>
+    </p:spTree>
+    <p:extLst>
+      <p:ext uri="{BB962C8B-B14F-4D97-AF65-F5344CB8AC3E}">
+        <p14:creationId xmlns:p14="http://schemas.microsoft.com/office/powerpoint/2010/main" val="1383281537"/>
+      </p:ext>
+    </p:extLst>
+  </p:cSld>
+  <p:clrMapOvr>
+    <a:masterClrMapping/>
+  </p:clrMapOvr>
+</p:sld>
+</file>
+
+<file path=ppt/slides/slide4.xml><?xml version="1.0" encoding="utf-8"?>
 <p:sld xmlns:a="http://schemas.openxmlformats.org/drawingml/2006/main" xmlns:r="http://schemas.openxmlformats.org/officeDocument/2006/relationships" xmlns:p="http://schemas.openxmlformats.org/presentationml/2006/main">
   <p:cSld>
     <p:bg>
@@ -4355,81 +4624,6 @@
     <p:extLst>
       <p:ext uri="{BB962C8B-B14F-4D97-AF65-F5344CB8AC3E}">
         <p14:creationId xmlns:p14="http://schemas.microsoft.com/office/powerpoint/2010/main" val="1344346463"/>
-      </p:ext>
-    </p:extLst>
-  </p:cSld>
-  <p:clrMapOvr>
-    <a:masterClrMapping/>
-  </p:clrMapOvr>
-</p:sld>
-</file>
-
-<file path=ppt/slides/slide4.xml><?xml version="1.0" encoding="utf-8"?>
-<p:sld xmlns:a="http://schemas.openxmlformats.org/drawingml/2006/main" xmlns:r="http://schemas.openxmlformats.org/officeDocument/2006/relationships" xmlns:p="http://schemas.openxmlformats.org/presentationml/2006/main">
-  <p:cSld>
-    <p:spTree>
-      <p:nvGrpSpPr>
-        <p:cNvPr id="1" name=""/>
-        <p:cNvGrpSpPr/>
-        <p:nvPr/>
-      </p:nvGrpSpPr>
-      <p:grpSpPr>
-        <a:xfrm>
-          <a:off x="0" y="0"/>
-          <a:ext cx="0" cy="0"/>
-          <a:chOff x="0" y="0"/>
-          <a:chExt cx="0" cy="0"/>
-        </a:xfrm>
-      </p:grpSpPr>
-      <p:sp>
-        <p:nvSpPr>
-          <p:cNvPr id="2" name="Title 1"/>
-          <p:cNvSpPr>
-            <a:spLocks noGrp="1"/>
-          </p:cNvSpPr>
-          <p:nvPr>
-            <p:ph type="title"/>
-          </p:nvPr>
-        </p:nvSpPr>
-        <p:spPr/>
-        <p:txBody>
-          <a:bodyPr/>
-          <a:lstStyle/>
-          <a:p>
-            <a:r>
-              <a:rPr lang="en-US" dirty="0" err="1"/>
-              <a:t>Necesario</a:t>
-            </a:r>
-            <a:endParaRPr lang="en-US" dirty="0"/>
-          </a:p>
-        </p:txBody>
-      </p:sp>
-      <p:sp>
-        <p:nvSpPr>
-          <p:cNvPr id="3" name="Content Placeholder 2"/>
-          <p:cNvSpPr>
-            <a:spLocks noGrp="1"/>
-          </p:cNvSpPr>
-          <p:nvPr>
-            <p:ph idx="1"/>
-          </p:nvPr>
-        </p:nvSpPr>
-        <p:spPr/>
-        <p:txBody>
-          <a:bodyPr/>
-          <a:lstStyle/>
-          <a:p>
-            <a:r>
-              <a:rPr lang="en-US" dirty="0"/>
-              <a:t>Visual Studio 2019 Preview (Community)</a:t>
-            </a:r>
-          </a:p>
-        </p:txBody>
-      </p:sp>
-    </p:spTree>
-    <p:extLst>
-      <p:ext uri="{BB962C8B-B14F-4D97-AF65-F5344CB8AC3E}">
-        <p14:creationId xmlns:p14="http://schemas.microsoft.com/office/powerpoint/2010/main" val="3083288797"/>
       </p:ext>
     </p:extLst>
   </p:cSld>
@@ -5000,7 +5194,7 @@
           <a:lstStyle/>
           <a:p>
             <a:r>
-              <a:rPr lang="en-US" sz="6000">
+              <a:rPr lang="en-US" sz="6000" dirty="0">
                 <a:solidFill>
                   <a:schemeClr val="bg1"/>
                 </a:solidFill>
@@ -5008,8 +5202,92 @@
                 <a:ea typeface="+mj-ea"/>
                 <a:cs typeface="+mj-cs"/>
               </a:rPr>
-              <a:t>Las Piezas</a:t>
-            </a:r>
+              <a:t>Las </a:t>
+            </a:r>
+            <a:r>
+              <a:rPr lang="en-US" sz="6000" dirty="0" err="1">
+                <a:solidFill>
+                  <a:schemeClr val="bg1"/>
+                </a:solidFill>
+                <a:latin typeface="+mj-lt"/>
+                <a:ea typeface="+mj-ea"/>
+                <a:cs typeface="+mj-cs"/>
+              </a:rPr>
+              <a:t>Piezas</a:t>
+            </a:r>
+            <a:br>
+              <a:rPr lang="en-US" sz="6000" dirty="0">
+                <a:solidFill>
+                  <a:schemeClr val="bg1"/>
+                </a:solidFill>
+                <a:latin typeface="+mj-lt"/>
+                <a:ea typeface="+mj-ea"/>
+                <a:cs typeface="+mj-cs"/>
+              </a:rPr>
+            </a:br>
+            <a:r>
+              <a:rPr lang="en-US" dirty="0">
+                <a:solidFill>
+                  <a:schemeClr val="bg1"/>
+                </a:solidFill>
+                <a:latin typeface="+mj-lt"/>
+                <a:ea typeface="+mj-ea"/>
+                <a:cs typeface="+mj-cs"/>
+              </a:rPr>
+              <a:t>(</a:t>
+            </a:r>
+            <a:r>
+              <a:rPr lang="en-US" dirty="0" err="1">
+                <a:solidFill>
+                  <a:schemeClr val="bg1"/>
+                </a:solidFill>
+                <a:latin typeface="+mj-lt"/>
+                <a:ea typeface="+mj-ea"/>
+                <a:cs typeface="+mj-cs"/>
+              </a:rPr>
+              <a:t>así</a:t>
+            </a:r>
+            <a:r>
+              <a:rPr lang="en-US" dirty="0">
+                <a:solidFill>
+                  <a:schemeClr val="bg1"/>
+                </a:solidFill>
+                <a:latin typeface="+mj-lt"/>
+                <a:ea typeface="+mj-ea"/>
+                <a:cs typeface="+mj-cs"/>
+              </a:rPr>
+              <a:t> es, no </a:t>
+            </a:r>
+            <a:r>
+              <a:rPr lang="en-US" dirty="0" err="1">
+                <a:solidFill>
+                  <a:schemeClr val="bg1"/>
+                </a:solidFill>
+                <a:latin typeface="+mj-lt"/>
+                <a:ea typeface="+mj-ea"/>
+                <a:cs typeface="+mj-cs"/>
+              </a:rPr>
+              <a:t>haremos</a:t>
+            </a:r>
+            <a:r>
+              <a:rPr lang="en-US" dirty="0">
+                <a:solidFill>
+                  <a:schemeClr val="bg1"/>
+                </a:solidFill>
+                <a:latin typeface="+mj-lt"/>
+                <a:ea typeface="+mj-ea"/>
+                <a:cs typeface="+mj-cs"/>
+              </a:rPr>
+              <a:t> el TODO list hoy)</a:t>
+            </a:r>
+            <a:endParaRPr lang="en-US" sz="6000" dirty="0">
+              <a:solidFill>
+                <a:schemeClr val="bg1"/>
+              </a:solidFill>
+              <a:latin typeface="+mj-lt"/>
+              <a:ea typeface="+mj-ea"/>
+              <a:cs typeface="+mj-cs"/>
+            </a:endParaRPr>
           </a:p>
         </p:txBody>
       </p:sp>
@@ -5027,6 +5305,219 @@
 </file>
 
 <file path=ppt/slides/slide8.xml><?xml version="1.0" encoding="utf-8"?>
+<p:sld xmlns:a="http://schemas.openxmlformats.org/drawingml/2006/main" xmlns:r="http://schemas.openxmlformats.org/officeDocument/2006/relationships" xmlns:p="http://schemas.openxmlformats.org/presentationml/2006/main">
+  <p:cSld>
+    <p:spTree>
+      <p:nvGrpSpPr>
+        <p:cNvPr id="1" name=""/>
+        <p:cNvGrpSpPr/>
+        <p:nvPr/>
+      </p:nvGrpSpPr>
+      <p:grpSpPr>
+        <a:xfrm>
+          <a:off x="0" y="0"/>
+          <a:ext cx="0" cy="0"/>
+          <a:chOff x="0" y="0"/>
+          <a:chExt cx="0" cy="0"/>
+        </a:xfrm>
+      </p:grpSpPr>
+      <p:sp>
+        <p:nvSpPr>
+          <p:cNvPr id="2" name="Title 1"/>
+          <p:cNvSpPr>
+            <a:spLocks noGrp="1"/>
+          </p:cNvSpPr>
+          <p:nvPr>
+            <p:ph type="title"/>
+          </p:nvPr>
+        </p:nvSpPr>
+        <p:spPr/>
+        <p:txBody>
+          <a:bodyPr/>
+          <a:lstStyle/>
+          <a:p>
+            <a:r>
+              <a:rPr lang="en-US" dirty="0" err="1"/>
+              <a:t>Temas</a:t>
+            </a:r>
+            <a:endParaRPr lang="en-US" dirty="0"/>
+          </a:p>
+        </p:txBody>
+      </p:sp>
+      <p:sp>
+        <p:nvSpPr>
+          <p:cNvPr id="3" name="Content Placeholder 2"/>
+          <p:cNvSpPr>
+            <a:spLocks noGrp="1"/>
+          </p:cNvSpPr>
+          <p:nvPr>
+            <p:ph idx="1"/>
+          </p:nvPr>
+        </p:nvSpPr>
+        <p:spPr/>
+        <p:txBody>
+          <a:bodyPr>
+            <a:normAutofit lnSpcReduction="10000"/>
+          </a:bodyPr>
+          <a:lstStyle/>
+          <a:p>
+            <a:r>
+              <a:rPr lang="en-US" dirty="0"/>
+              <a:t>MVVM</a:t>
+            </a:r>
+          </a:p>
+          <a:p>
+            <a:r>
+              <a:rPr lang="en-US" dirty="0" err="1"/>
+              <a:t>Estructura</a:t>
+            </a:r>
+            <a:r>
+              <a:rPr lang="en-US" dirty="0"/>
+              <a:t> de la </a:t>
+            </a:r>
+            <a:r>
+              <a:rPr lang="en-US" dirty="0" err="1"/>
+              <a:t>Solución</a:t>
+            </a:r>
+            <a:endParaRPr lang="en-US" dirty="0"/>
+          </a:p>
+          <a:p>
+            <a:r>
+              <a:rPr lang="en-US" dirty="0"/>
+              <a:t>El </a:t>
+            </a:r>
+            <a:r>
+              <a:rPr lang="en-US" dirty="0" err="1"/>
+              <a:t>modelo</a:t>
+            </a:r>
+            <a:r>
+              <a:rPr lang="en-US" dirty="0"/>
+              <a:t> (Board, Piece, Cell)</a:t>
+            </a:r>
+          </a:p>
+          <a:p>
+            <a:r>
+              <a:rPr lang="en-US" dirty="0"/>
+              <a:t>El </a:t>
+            </a:r>
+            <a:r>
+              <a:rPr lang="en-US" dirty="0" err="1"/>
+              <a:t>Servidor</a:t>
+            </a:r>
+            <a:r>
+              <a:rPr lang="en-US" dirty="0"/>
+              <a:t> (file server)</a:t>
+            </a:r>
+          </a:p>
+          <a:p>
+            <a:r>
+              <a:rPr lang="en-US" dirty="0"/>
+              <a:t>La vista</a:t>
+            </a:r>
+          </a:p>
+          <a:p>
+            <a:pPr lvl="1"/>
+            <a:r>
+              <a:rPr lang="en-US" dirty="0" err="1"/>
+              <a:t>Todo</a:t>
+            </a:r>
+            <a:r>
+              <a:rPr lang="en-US" dirty="0"/>
+              <a:t> es un Razor Component</a:t>
+            </a:r>
+          </a:p>
+          <a:p>
+            <a:pPr lvl="1"/>
+            <a:r>
+              <a:rPr lang="en-US" dirty="0" err="1"/>
+              <a:t>Separación</a:t>
+            </a:r>
+            <a:r>
+              <a:rPr lang="en-US" dirty="0"/>
+              <a:t> de Código (razor/</a:t>
+            </a:r>
+            <a:r>
+              <a:rPr lang="en-US" dirty="0" err="1"/>
+              <a:t>razor.cs</a:t>
+            </a:r>
+            <a:r>
+              <a:rPr lang="en-US" dirty="0"/>
+              <a:t>)</a:t>
+            </a:r>
+          </a:p>
+          <a:p>
+            <a:pPr lvl="1"/>
+            <a:r>
+              <a:rPr lang="en-US" dirty="0" err="1"/>
+              <a:t>BoardView</a:t>
+            </a:r>
+            <a:r>
+              <a:rPr lang="en-US" dirty="0"/>
+              <a:t>: Timer, Parameter, Cascading Parameter, @key, </a:t>
+            </a:r>
+            <a:r>
+              <a:rPr lang="en-US" dirty="0" err="1"/>
+              <a:t>Idisposable</a:t>
+            </a:r>
+            <a:endParaRPr lang="en-US" dirty="0"/>
+          </a:p>
+          <a:p>
+            <a:pPr lvl="1"/>
+            <a:r>
+              <a:rPr lang="en-US" dirty="0"/>
+              <a:t>Index: </a:t>
+            </a:r>
+            <a:r>
+              <a:rPr lang="en-US" dirty="0" err="1"/>
+              <a:t>Comunicación</a:t>
+            </a:r>
+            <a:r>
+              <a:rPr lang="en-US" dirty="0"/>
+              <a:t> de components</a:t>
+            </a:r>
+          </a:p>
+          <a:p>
+            <a:pPr lvl="1"/>
+            <a:r>
+              <a:rPr lang="en-US" dirty="0" err="1"/>
+              <a:t>BoardKeyboard</a:t>
+            </a:r>
+            <a:r>
+              <a:rPr lang="en-US" dirty="0"/>
+              <a:t>: JS Interop (de .NET a JS y de JS a .NET)</a:t>
+            </a:r>
+          </a:p>
+          <a:p>
+            <a:pPr lvl="1"/>
+            <a:endParaRPr lang="en-US" dirty="0"/>
+          </a:p>
+          <a:p>
+            <a:pPr lvl="1"/>
+            <a:endParaRPr lang="en-US" dirty="0"/>
+          </a:p>
+          <a:p>
+            <a:pPr lvl="1"/>
+            <a:endParaRPr lang="en-US" dirty="0"/>
+          </a:p>
+          <a:p>
+            <a:endParaRPr lang="en-US" dirty="0"/>
+          </a:p>
+        </p:txBody>
+      </p:sp>
+    </p:spTree>
+    <p:extLst>
+      <p:ext uri="{BB962C8B-B14F-4D97-AF65-F5344CB8AC3E}">
+        <p14:creationId xmlns:p14="http://schemas.microsoft.com/office/powerpoint/2010/main" val="1471503855"/>
+      </p:ext>
+    </p:extLst>
+  </p:cSld>
+  <p:clrMapOvr>
+    <a:masterClrMapping/>
+  </p:clrMapOvr>
+</p:sld>
+</file>
+
+<file path=ppt/slides/slide9.xml><?xml version="1.0" encoding="utf-8"?>
 <p:sld xmlns:a="http://schemas.openxmlformats.org/drawingml/2006/main" xmlns:r="http://schemas.openxmlformats.org/officeDocument/2006/relationships" xmlns:p="http://schemas.openxmlformats.org/presentationml/2006/main">
   <p:cSld>
     <p:spTree>
